--- a/Figure-4-3/Figure43/Figure43_normal.pptx
+++ b/Figure-4-3/Figure43/Figure43_normal.pptx
@@ -516,6 +516,126 @@
               <a:rPr/>
               <a:t>Title:</a:t>
             </a:r>
+            <a:r>
+              <a:rPr/>
+              <a:t> </a:t>
+            </a:r>
+            <a:r>
+              <a:rPr/>
+              <a:t>Those</a:t>
+            </a:r>
+            <a:r>
+              <a:rPr/>
+              <a:t> </a:t>
+            </a:r>
+            <a:r>
+              <a:rPr/>
+              <a:t>on</a:t>
+            </a:r>
+            <a:r>
+              <a:rPr/>
+              <a:t> </a:t>
+            </a:r>
+            <a:r>
+              <a:rPr/>
+              <a:t>high</a:t>
+            </a:r>
+            <a:r>
+              <a:rPr/>
+              <a:t> </a:t>
+            </a:r>
+            <a:r>
+              <a:rPr/>
+              <a:t>incomes</a:t>
+            </a:r>
+            <a:r>
+              <a:rPr/>
+              <a:t> </a:t>
+            </a:r>
+            <a:r>
+              <a:rPr/>
+              <a:t>make</a:t>
+            </a:r>
+            <a:r>
+              <a:rPr/>
+              <a:t> </a:t>
+            </a:r>
+            <a:r>
+              <a:rPr/>
+              <a:t>larger</a:t>
+            </a:r>
+            <a:r>
+              <a:rPr/>
+              <a:t> </a:t>
+            </a:r>
+            <a:r>
+              <a:rPr/>
+              <a:t>voluntary</a:t>
+            </a:r>
+            <a:r>
+              <a:rPr/>
+              <a:t> </a:t>
+            </a:r>
+            <a:r>
+              <a:rPr/>
+              <a:t>contributions,</a:t>
+            </a:r>
+            <a:r>
+              <a:rPr/>
+              <a:t> </a:t>
+            </a:r>
+            <a:r>
+              <a:rPr/>
+              <a:t>increasing</a:t>
+            </a:r>
+            <a:r>
+              <a:rPr/>
+              <a:t> </a:t>
+            </a:r>
+            <a:r>
+              <a:rPr/>
+              <a:t>the</a:t>
+            </a:r>
+            <a:r>
+              <a:rPr/>
+              <a:t> </a:t>
+            </a:r>
+            <a:r>
+              <a:rPr/>
+              <a:t>value</a:t>
+            </a:r>
+            <a:r>
+              <a:rPr/>
+              <a:t> </a:t>
+            </a:r>
+            <a:r>
+              <a:rPr/>
+              <a:t>of</a:t>
+            </a:r>
+            <a:r>
+              <a:rPr/>
+              <a:t> </a:t>
+            </a:r>
+            <a:r>
+              <a:rPr/>
+              <a:t>contributions</a:t>
+            </a:r>
+            <a:r>
+              <a:rPr/>
+              <a:t> </a:t>
+            </a:r>
+            <a:r>
+              <a:rPr/>
+              <a:t>tax</a:t>
+            </a:r>
+            <a:r>
+              <a:rPr/>
+              <a:t> </a:t>
+            </a:r>
+            <a:r>
+              <a:rPr/>
+              <a:t>breaks</a:t>
+            </a:r>
           </a:p>
           <a:p>
             <a:pPr lvl="0" marL="0" indent="0">
@@ -529,6 +649,548 @@
             <a:r>
               <a:rPr/>
               <a:t>Subtitle:</a:t>
+            </a:r>
+            <a:r>
+              <a:rPr/>
+              <a:t> </a:t>
+            </a:r>
+            <a:r>
+              <a:rPr/>
+              <a:t>Average</a:t>
+            </a:r>
+            <a:r>
+              <a:rPr/>
+              <a:t> </a:t>
+            </a:r>
+            <a:r>
+              <a:rPr/>
+              <a:t>superannuation</a:t>
+            </a:r>
+            <a:r>
+              <a:rPr/>
+              <a:t> </a:t>
+            </a:r>
+            <a:r>
+              <a:rPr/>
+              <a:t>contributions</a:t>
+            </a:r>
+            <a:r>
+              <a:rPr/>
+              <a:t> </a:t>
+            </a:r>
+            <a:r>
+              <a:rPr/>
+              <a:t>(2020-21)</a:t>
+            </a:r>
+          </a:p>
+          <a:p>
+            <a:pPr lvl="0" marL="0" indent="0">
+              <a:buNone/>
+            </a:pPr>
+          </a:p>
+          <a:p>
+            <a:pPr lvl="0" marL="0" indent="0">
+              <a:buNone/>
+            </a:pPr>
+            <a:r>
+              <a:rPr/>
+              <a:t>Notes:</a:t>
+            </a:r>
+            <a:r>
+              <a:rPr/>
+              <a:t> </a:t>
+            </a:r>
+            <a:r>
+              <a:rPr/>
+              <a:t>Projections</a:t>
+            </a:r>
+            <a:r>
+              <a:rPr/>
+              <a:t> </a:t>
+            </a:r>
+            <a:r>
+              <a:rPr/>
+              <a:t>to</a:t>
+            </a:r>
+            <a:r>
+              <a:rPr/>
+              <a:t> </a:t>
+            </a:r>
+            <a:r>
+              <a:rPr/>
+              <a:t>2020-21</a:t>
+            </a:r>
+            <a:r>
+              <a:rPr/>
+              <a:t> </a:t>
+            </a:r>
+            <a:r>
+              <a:rPr/>
+              <a:t>assume</a:t>
+            </a:r>
+            <a:r>
+              <a:rPr/>
+              <a:t> </a:t>
+            </a:r>
+            <a:r>
+              <a:rPr/>
+              <a:t>2%</a:t>
+            </a:r>
+            <a:r>
+              <a:rPr/>
+              <a:t> </a:t>
+            </a:r>
+            <a:r>
+              <a:rPr/>
+              <a:t>wage</a:t>
+            </a:r>
+            <a:r>
+              <a:rPr/>
+              <a:t> </a:t>
+            </a:r>
+            <a:r>
+              <a:rPr/>
+              <a:t>growth</a:t>
+            </a:r>
+            <a:r>
+              <a:rPr/>
+              <a:t> </a:t>
+            </a:r>
+            <a:r>
+              <a:rPr/>
+              <a:t>and</a:t>
+            </a:r>
+            <a:r>
+              <a:rPr/>
+              <a:t> </a:t>
+            </a:r>
+            <a:r>
+              <a:rPr/>
+              <a:t>0%</a:t>
+            </a:r>
+            <a:r>
+              <a:rPr/>
+              <a:t> </a:t>
+            </a:r>
+            <a:r>
+              <a:rPr/>
+              <a:t>growth</a:t>
+            </a:r>
+            <a:r>
+              <a:rPr/>
+              <a:t> </a:t>
+            </a:r>
+            <a:r>
+              <a:rPr/>
+              <a:t>in</a:t>
+            </a:r>
+            <a:r>
+              <a:rPr/>
+              <a:t> </a:t>
+            </a:r>
+            <a:r>
+              <a:rPr/>
+              <a:t>the</a:t>
+            </a:r>
+            <a:r>
+              <a:rPr/>
+              <a:t> </a:t>
+            </a:r>
+            <a:r>
+              <a:rPr/>
+              <a:t>number</a:t>
+            </a:r>
+            <a:r>
+              <a:rPr/>
+              <a:t> </a:t>
+            </a:r>
+            <a:r>
+              <a:rPr/>
+              <a:t>of</a:t>
+            </a:r>
+            <a:r>
+              <a:rPr/>
+              <a:t> </a:t>
+            </a:r>
+            <a:r>
+              <a:rPr/>
+              <a:t>taxfilers</a:t>
+            </a:r>
+            <a:r>
+              <a:rPr/>
+              <a:t> </a:t>
+            </a:r>
+            <a:r>
+              <a:rPr/>
+              <a:t>from</a:t>
+            </a:r>
+            <a:r>
+              <a:rPr/>
+              <a:t> </a:t>
+            </a:r>
+            <a:r>
+              <a:rPr/>
+              <a:t>2019-20</a:t>
+            </a:r>
+            <a:r>
+              <a:rPr/>
+              <a:t> </a:t>
+            </a:r>
+            <a:r>
+              <a:rPr/>
+              <a:t>to</a:t>
+            </a:r>
+            <a:r>
+              <a:rPr/>
+              <a:t> </a:t>
+            </a:r>
+            <a:r>
+              <a:rPr/>
+              <a:t>2020-21.</a:t>
+            </a:r>
+            <a:r>
+              <a:rPr/>
+              <a:t> </a:t>
+            </a:r>
+            <a:r>
+              <a:rPr/>
+              <a:t>SG</a:t>
+            </a:r>
+            <a:r>
+              <a:rPr/>
+              <a:t> </a:t>
+            </a:r>
+            <a:r>
+              <a:rPr/>
+              <a:t>=</a:t>
+            </a:r>
+            <a:r>
+              <a:rPr/>
+              <a:t> </a:t>
+            </a:r>
+            <a:r>
+              <a:rPr/>
+              <a:t>super</a:t>
+            </a:r>
+            <a:r>
+              <a:rPr/>
+              <a:t> </a:t>
+            </a:r>
+            <a:r>
+              <a:rPr/>
+              <a:t>guarantee</a:t>
+            </a:r>
+            <a:r>
+              <a:rPr/>
+              <a:t> </a:t>
+            </a:r>
+            <a:r>
+              <a:rPr/>
+              <a:t>contributions,</a:t>
+            </a:r>
+            <a:r>
+              <a:rPr/>
+              <a:t> </a:t>
+            </a:r>
+            <a:r>
+              <a:rPr/>
+              <a:t>assumed</a:t>
+            </a:r>
+            <a:r>
+              <a:rPr/>
+              <a:t> </a:t>
+            </a:r>
+            <a:r>
+              <a:rPr/>
+              <a:t>to</a:t>
+            </a:r>
+            <a:r>
+              <a:rPr/>
+              <a:t> </a:t>
+            </a:r>
+            <a:r>
+              <a:rPr/>
+              <a:t>be</a:t>
+            </a:r>
+            <a:r>
+              <a:rPr/>
+              <a:t> </a:t>
+            </a:r>
+            <a:r>
+              <a:rPr/>
+              <a:t>employer</a:t>
+            </a:r>
+            <a:r>
+              <a:rPr/>
+              <a:t> </a:t>
+            </a:r>
+            <a:r>
+              <a:rPr/>
+              <a:t>contributions</a:t>
+            </a:r>
+            <a:r>
+              <a:rPr/>
+              <a:t> </a:t>
+            </a:r>
+            <a:r>
+              <a:rPr/>
+              <a:t>less</a:t>
+            </a:r>
+            <a:r>
+              <a:rPr/>
+              <a:t> </a:t>
+            </a:r>
+            <a:r>
+              <a:rPr/>
+              <a:t>reportable</a:t>
+            </a:r>
+            <a:r>
+              <a:rPr/>
+              <a:t> </a:t>
+            </a:r>
+            <a:r>
+              <a:rPr/>
+              <a:t>employer</a:t>
+            </a:r>
+            <a:r>
+              <a:rPr/>
+              <a:t> </a:t>
+            </a:r>
+            <a:r>
+              <a:rPr/>
+              <a:t>super</a:t>
+            </a:r>
+            <a:r>
+              <a:rPr/>
+              <a:t> </a:t>
+            </a:r>
+            <a:r>
+              <a:rPr/>
+              <a:t>contributions;</a:t>
+            </a:r>
+            <a:r>
+              <a:rPr/>
+              <a:t> </a:t>
+            </a:r>
+            <a:r>
+              <a:rPr/>
+              <a:t>salary-sacrifice</a:t>
+            </a:r>
+            <a:r>
+              <a:rPr/>
+              <a:t> </a:t>
+            </a:r>
+            <a:r>
+              <a:rPr/>
+              <a:t>=</a:t>
+            </a:r>
+            <a:r>
+              <a:rPr/>
+              <a:t> </a:t>
+            </a:r>
+            <a:r>
+              <a:rPr/>
+              <a:t>reportable</a:t>
+            </a:r>
+            <a:r>
+              <a:rPr/>
+              <a:t> </a:t>
+            </a:r>
+            <a:r>
+              <a:rPr/>
+              <a:t>employer</a:t>
+            </a:r>
+            <a:r>
+              <a:rPr/>
+              <a:t> </a:t>
+            </a:r>
+            <a:r>
+              <a:rPr/>
+              <a:t>super</a:t>
+            </a:r>
+            <a:r>
+              <a:rPr/>
+              <a:t> </a:t>
+            </a:r>
+            <a:r>
+              <a:rPr/>
+              <a:t>contributions;</a:t>
+            </a:r>
+            <a:r>
+              <a:rPr/>
+              <a:t> </a:t>
+            </a:r>
+            <a:r>
+              <a:rPr/>
+              <a:t>personal-deductible</a:t>
+            </a:r>
+            <a:r>
+              <a:rPr/>
+              <a:t> </a:t>
+            </a:r>
+            <a:r>
+              <a:rPr/>
+              <a:t>=</a:t>
+            </a:r>
+            <a:r>
+              <a:rPr/>
+              <a:t> </a:t>
+            </a:r>
+            <a:r>
+              <a:rPr/>
+              <a:t>non-employer</a:t>
+            </a:r>
+            <a:r>
+              <a:rPr/>
+              <a:t> </a:t>
+            </a:r>
+            <a:r>
+              <a:rPr/>
+              <a:t>superannuation</a:t>
+            </a:r>
+            <a:r>
+              <a:rPr/>
+              <a:t> </a:t>
+            </a:r>
+            <a:r>
+              <a:rPr/>
+              <a:t>contributions;</a:t>
+            </a:r>
+            <a:r>
+              <a:rPr/>
+              <a:t> </a:t>
+            </a:r>
+            <a:r>
+              <a:rPr/>
+              <a:t>non-concessional</a:t>
+            </a:r>
+            <a:r>
+              <a:rPr/>
+              <a:t> </a:t>
+            </a:r>
+            <a:r>
+              <a:rPr/>
+              <a:t>=</a:t>
+            </a:r>
+            <a:r>
+              <a:rPr/>
+              <a:t> </a:t>
+            </a:r>
+            <a:r>
+              <a:rPr/>
+              <a:t>nonnegative</a:t>
+            </a:r>
+            <a:r>
+              <a:rPr/>
+              <a:t> </a:t>
+            </a:r>
+            <a:r>
+              <a:rPr/>
+              <a:t>component</a:t>
+            </a:r>
+            <a:r>
+              <a:rPr/>
+              <a:t> </a:t>
+            </a:r>
+            <a:r>
+              <a:rPr/>
+              <a:t>of</a:t>
+            </a:r>
+            <a:r>
+              <a:rPr/>
+              <a:t> </a:t>
+            </a:r>
+            <a:r>
+              <a:rPr/>
+              <a:t>personal</a:t>
+            </a:r>
+            <a:r>
+              <a:rPr/>
+              <a:t> </a:t>
+            </a:r>
+            <a:r>
+              <a:rPr/>
+              <a:t>contributions</a:t>
+            </a:r>
+            <a:r>
+              <a:rPr/>
+              <a:t> </a:t>
+            </a:r>
+            <a:r>
+              <a:rPr/>
+              <a:t>less</a:t>
+            </a:r>
+            <a:r>
+              <a:rPr/>
+              <a:t> </a:t>
+            </a:r>
+            <a:r>
+              <a:rPr/>
+              <a:t>non-employer</a:t>
+            </a:r>
+            <a:r>
+              <a:rPr/>
+              <a:t> </a:t>
+            </a:r>
+            <a:r>
+              <a:rPr/>
+              <a:t>super</a:t>
+            </a:r>
+            <a:r>
+              <a:rPr/>
+              <a:t> </a:t>
+            </a:r>
+            <a:r>
+              <a:rPr/>
+              <a:t>contributions.</a:t>
+            </a:r>
+            <a:r>
+              <a:rPr/>
+              <a:t> </a:t>
+            </a:r>
+            <a:r>
+              <a:rPr/>
+              <a:t>Source:</a:t>
+            </a:r>
+            <a:r>
+              <a:rPr/>
+              <a:t> </a:t>
+            </a:r>
+            <a:r>
+              <a:rPr/>
+              <a:t>ATO</a:t>
+            </a:r>
+            <a:r>
+              <a:rPr/>
+              <a:t> </a:t>
+            </a:r>
+            <a:r>
+              <a:rPr/>
+              <a:t>2017-18</a:t>
+            </a:r>
+            <a:r>
+              <a:rPr/>
+              <a:t> </a:t>
+            </a:r>
+            <a:r>
+              <a:rPr/>
+              <a:t>2%</a:t>
+            </a:r>
+            <a:r>
+              <a:rPr/>
+              <a:t> </a:t>
+            </a:r>
+            <a:r>
+              <a:rPr/>
+              <a:t>sample</a:t>
+            </a:r>
+            <a:r>
+              <a:rPr/>
+              <a:t> </a:t>
+            </a:r>
+            <a:r>
+              <a:rPr/>
+              <a:t>file</a:t>
             </a:r>
           </a:p>
           <a:p>
@@ -3390,7 +4052,7 @@
           <a:p>
             <a:r>
               <a:rPr/>
-              <a:t> </a:t>
+              <a:t>Those on high incomes make larger voluntary contributions, increasing the value of contributions tax breaks</a:t>
             </a:r>
           </a:p>
         </p:txBody>
@@ -3417,7 +4079,7 @@
           <a:p>
             <a:r>
               <a:rPr/>
-              <a:t> </a:t>
+              <a:t>Average superannuation contributions (2020-21)</a:t>
             </a:r>
           </a:p>
         </p:txBody>
@@ -5192,8 +5854,8 @@
           </p:nvSpPr>
           <p:spPr>
             <a:xfrm>
-              <a:off x="3821228" y="4987287"/>
-              <a:ext cx="1156059" cy="166315"/>
+              <a:off x="3185825" y="4987287"/>
+              <a:ext cx="2426865" cy="166315"/>
             </a:xfrm>
             <a:prstGeom prst="rect">
               <a:avLst/>
@@ -5225,7 +5887,461 @@
                   <a:latin typeface="Arial"/>
                   <a:cs typeface="Arial"/>
                 </a:rPr>
-                <a:t>TaxBracket</a:t>
+                <a:t>Taxable income bracket</a:t>
+              </a:r>
+            </a:p>
+          </p:txBody>
+        </p:sp>
+        <p:sp>
+          <p:nvSpPr>
+            <p:cNvPr id="51" name="rc49"/>
+            <p:cNvSpPr/>
+            <p:nvPr/>
+          </p:nvSpPr>
+          <p:spPr>
+            <a:xfrm>
+              <a:off x="930645" y="91439"/>
+              <a:ext cx="2348916" cy="960853"/>
+            </a:xfrm>
+            <a:prstGeom prst="rect">
+              <a:avLst/>
+            </a:prstGeom>
+            <a:solidFill>
+              <a:srgbClr val="FFFFFF">
+                <a:alpha val="100000"/>
+              </a:srgbClr>
+            </a:solidFill>
+          </p:spPr>
+          <p:txBody>
+            <a:bodyPr/>
+            <a:lstStyle/>
+            <a:p/>
+          </p:txBody>
+        </p:sp>
+        <p:sp>
+          <p:nvSpPr>
+            <p:cNvPr id="52" name="rc50"/>
+            <p:cNvSpPr/>
+            <p:nvPr/>
+          </p:nvSpPr>
+          <p:spPr>
+            <a:xfrm>
+              <a:off x="930645" y="205312"/>
+              <a:ext cx="182880" cy="211745"/>
+            </a:xfrm>
+            <a:prstGeom prst="rect">
+              <a:avLst/>
+            </a:prstGeom>
+            <a:solidFill>
+              <a:srgbClr val="FFFFFF">
+                <a:alpha val="100000"/>
+              </a:srgbClr>
+            </a:solidFill>
+          </p:spPr>
+          <p:txBody>
+            <a:bodyPr/>
+            <a:lstStyle/>
+            <a:p/>
+          </p:txBody>
+        </p:sp>
+        <p:sp>
+          <p:nvSpPr>
+            <p:cNvPr id="53" name="rc51"/>
+            <p:cNvSpPr/>
+            <p:nvPr/>
+          </p:nvSpPr>
+          <p:spPr>
+            <a:xfrm>
+              <a:off x="935390" y="210057"/>
+              <a:ext cx="173390" cy="202255"/>
+            </a:xfrm>
+            <a:prstGeom prst="rect">
+              <a:avLst/>
+            </a:prstGeom>
+            <a:solidFill>
+              <a:srgbClr val="FFC35A">
+                <a:alpha val="100000"/>
+              </a:srgbClr>
+            </a:solidFill>
+            <a:ln w="7143" cap="sq">
+              <a:solidFill>
+                <a:srgbClr val="FFFFFF">
+                  <a:alpha val="100000"/>
+                </a:srgbClr>
+              </a:solidFill>
+              <a:prstDash val="solid"/>
+              <a:miter/>
+            </a:ln>
+          </p:spPr>
+          <p:txBody>
+            <a:bodyPr/>
+            <a:lstStyle/>
+            <a:p/>
+          </p:txBody>
+        </p:sp>
+        <p:sp>
+          <p:nvSpPr>
+            <p:cNvPr id="54" name="rc52"/>
+            <p:cNvSpPr/>
+            <p:nvPr/>
+          </p:nvSpPr>
+          <p:spPr>
+            <a:xfrm>
+              <a:off x="930645" y="417058"/>
+              <a:ext cx="182880" cy="211745"/>
+            </a:xfrm>
+            <a:prstGeom prst="rect">
+              <a:avLst/>
+            </a:prstGeom>
+            <a:solidFill>
+              <a:srgbClr val="FFFFFF">
+                <a:alpha val="100000"/>
+              </a:srgbClr>
+            </a:solidFill>
+          </p:spPr>
+          <p:txBody>
+            <a:bodyPr/>
+            <a:lstStyle/>
+            <a:p/>
+          </p:txBody>
+        </p:sp>
+        <p:sp>
+          <p:nvSpPr>
+            <p:cNvPr id="55" name="rc53"/>
+            <p:cNvSpPr/>
+            <p:nvPr/>
+          </p:nvSpPr>
+          <p:spPr>
+            <a:xfrm>
+              <a:off x="935390" y="421802"/>
+              <a:ext cx="173390" cy="202255"/>
+            </a:xfrm>
+            <a:prstGeom prst="rect">
+              <a:avLst/>
+            </a:prstGeom>
+            <a:solidFill>
+              <a:srgbClr val="F68B33">
+                <a:alpha val="100000"/>
+              </a:srgbClr>
+            </a:solidFill>
+            <a:ln w="7143" cap="sq">
+              <a:solidFill>
+                <a:srgbClr val="FFFFFF">
+                  <a:alpha val="100000"/>
+                </a:srgbClr>
+              </a:solidFill>
+              <a:prstDash val="solid"/>
+              <a:miter/>
+            </a:ln>
+          </p:spPr>
+          <p:txBody>
+            <a:bodyPr/>
+            <a:lstStyle/>
+            <a:p/>
+          </p:txBody>
+        </p:sp>
+        <p:sp>
+          <p:nvSpPr>
+            <p:cNvPr id="56" name="rc54"/>
+            <p:cNvSpPr/>
+            <p:nvPr/>
+          </p:nvSpPr>
+          <p:spPr>
+            <a:xfrm>
+              <a:off x="930645" y="628803"/>
+              <a:ext cx="182880" cy="211745"/>
+            </a:xfrm>
+            <a:prstGeom prst="rect">
+              <a:avLst/>
+            </a:prstGeom>
+            <a:solidFill>
+              <a:srgbClr val="FFFFFF">
+                <a:alpha val="100000"/>
+              </a:srgbClr>
+            </a:solidFill>
+          </p:spPr>
+          <p:txBody>
+            <a:bodyPr/>
+            <a:lstStyle/>
+            <a:p/>
+          </p:txBody>
+        </p:sp>
+        <p:sp>
+          <p:nvSpPr>
+            <p:cNvPr id="57" name="rc55"/>
+            <p:cNvSpPr/>
+            <p:nvPr/>
+          </p:nvSpPr>
+          <p:spPr>
+            <a:xfrm>
+              <a:off x="935390" y="633548"/>
+              <a:ext cx="173390" cy="202255"/>
+            </a:xfrm>
+            <a:prstGeom prst="rect">
+              <a:avLst/>
+            </a:prstGeom>
+            <a:solidFill>
+              <a:srgbClr val="D4582A">
+                <a:alpha val="100000"/>
+              </a:srgbClr>
+            </a:solidFill>
+            <a:ln w="7143" cap="sq">
+              <a:solidFill>
+                <a:srgbClr val="FFFFFF">
+                  <a:alpha val="100000"/>
+                </a:srgbClr>
+              </a:solidFill>
+              <a:prstDash val="solid"/>
+              <a:miter/>
+            </a:ln>
+          </p:spPr>
+          <p:txBody>
+            <a:bodyPr/>
+            <a:lstStyle/>
+            <a:p/>
+          </p:txBody>
+        </p:sp>
+        <p:sp>
+          <p:nvSpPr>
+            <p:cNvPr id="58" name="rc56"/>
+            <p:cNvSpPr/>
+            <p:nvPr/>
+          </p:nvSpPr>
+          <p:spPr>
+            <a:xfrm>
+              <a:off x="930645" y="840548"/>
+              <a:ext cx="182880" cy="211745"/>
+            </a:xfrm>
+            <a:prstGeom prst="rect">
+              <a:avLst/>
+            </a:prstGeom>
+            <a:solidFill>
+              <a:srgbClr val="FFFFFF">
+                <a:alpha val="100000"/>
+              </a:srgbClr>
+            </a:solidFill>
+          </p:spPr>
+          <p:txBody>
+            <a:bodyPr/>
+            <a:lstStyle/>
+            <a:p/>
+          </p:txBody>
+        </p:sp>
+        <p:sp>
+          <p:nvSpPr>
+            <p:cNvPr id="59" name="rc57"/>
+            <p:cNvSpPr/>
+            <p:nvPr/>
+          </p:nvSpPr>
+          <p:spPr>
+            <a:xfrm>
+              <a:off x="935390" y="845293"/>
+              <a:ext cx="173390" cy="202255"/>
+            </a:xfrm>
+            <a:prstGeom prst="rect">
+              <a:avLst/>
+            </a:prstGeom>
+            <a:solidFill>
+              <a:srgbClr val="A02226">
+                <a:alpha val="100000"/>
+              </a:srgbClr>
+            </a:solidFill>
+            <a:ln w="7143" cap="sq">
+              <a:solidFill>
+                <a:srgbClr val="FFFFFF">
+                  <a:alpha val="100000"/>
+                </a:srgbClr>
+              </a:solidFill>
+              <a:prstDash val="solid"/>
+              <a:miter/>
+            </a:ln>
+          </p:spPr>
+          <p:txBody>
+            <a:bodyPr/>
+            <a:lstStyle/>
+            <a:p/>
+          </p:txBody>
+        </p:sp>
+        <p:sp>
+          <p:nvSpPr>
+            <p:cNvPr id="60" name="tx58"/>
+            <p:cNvSpPr/>
+            <p:nvPr/>
+          </p:nvSpPr>
+          <p:spPr>
+            <a:xfrm>
+              <a:off x="1227398" y="226688"/>
+              <a:ext cx="1779128" cy="166315"/>
+            </a:xfrm>
+            <a:prstGeom prst="rect">
+              <a:avLst/>
+            </a:prstGeom>
+            <a:noFill/>
+          </p:spPr>
+          <p:txBody>
+            <a:bodyPr lIns="0" rIns="0" tIns="0" bIns="0" anchorCtr="1" anchor="ctr" wrap="none"/>
+            <a:lstStyle/>
+            <a:p>
+              <a:pPr algn="l" marL="0" marR="0" indent="0">
+                <a:lnSpc>
+                  <a:spcPts val="1800"/>
+                </a:lnSpc>
+                <a:spcBef>
+                  <a:spcPts val="0"/>
+                </a:spcBef>
+                <a:spcAft>
+                  <a:spcPts val="0"/>
+                </a:spcAft>
+              </a:pPr>
+              <a:r>
+                <a:rPr sz="1800">
+                  <a:solidFill>
+                    <a:srgbClr val="000000">
+                      <a:alpha val="100000"/>
+                    </a:srgbClr>
+                  </a:solidFill>
+                  <a:latin typeface="Arial"/>
+                  <a:cs typeface="Arial"/>
+                </a:rPr>
+                <a:t>non-concessional</a:t>
+              </a:r>
+            </a:p>
+          </p:txBody>
+        </p:sp>
+        <p:sp>
+          <p:nvSpPr>
+            <p:cNvPr id="61" name="tx59"/>
+            <p:cNvSpPr/>
+            <p:nvPr/>
+          </p:nvSpPr>
+          <p:spPr>
+            <a:xfrm>
+              <a:off x="1227398" y="395682"/>
+              <a:ext cx="1995227" cy="209066"/>
+            </a:xfrm>
+            <a:prstGeom prst="rect">
+              <a:avLst/>
+            </a:prstGeom>
+            <a:noFill/>
+          </p:spPr>
+          <p:txBody>
+            <a:bodyPr lIns="0" rIns="0" tIns="0" bIns="0" anchorCtr="1" anchor="ctr" wrap="none"/>
+            <a:lstStyle/>
+            <a:p>
+              <a:pPr algn="l" marL="0" marR="0" indent="0">
+                <a:lnSpc>
+                  <a:spcPts val="1800"/>
+                </a:lnSpc>
+                <a:spcBef>
+                  <a:spcPts val="0"/>
+                </a:spcBef>
+                <a:spcAft>
+                  <a:spcPts val="0"/>
+                </a:spcAft>
+              </a:pPr>
+              <a:r>
+                <a:rPr sz="1800">
+                  <a:solidFill>
+                    <a:srgbClr val="000000">
+                      <a:alpha val="100000"/>
+                    </a:srgbClr>
+                  </a:solidFill>
+                  <a:latin typeface="Arial"/>
+                  <a:cs typeface="Arial"/>
+                </a:rPr>
+                <a:t>personal-deductible</a:t>
+              </a:r>
+            </a:p>
+          </p:txBody>
+        </p:sp>
+        <p:sp>
+          <p:nvSpPr>
+            <p:cNvPr id="62" name="tx60"/>
+            <p:cNvSpPr/>
+            <p:nvPr/>
+          </p:nvSpPr>
+          <p:spPr>
+            <a:xfrm>
+              <a:off x="1227398" y="601958"/>
+              <a:ext cx="1524297" cy="214535"/>
+            </a:xfrm>
+            <a:prstGeom prst="rect">
+              <a:avLst/>
+            </a:prstGeom>
+            <a:noFill/>
+          </p:spPr>
+          <p:txBody>
+            <a:bodyPr lIns="0" rIns="0" tIns="0" bIns="0" anchorCtr="1" anchor="ctr" wrap="none"/>
+            <a:lstStyle/>
+            <a:p>
+              <a:pPr algn="l" marL="0" marR="0" indent="0">
+                <a:lnSpc>
+                  <a:spcPts val="1800"/>
+                </a:lnSpc>
+                <a:spcBef>
+                  <a:spcPts val="0"/>
+                </a:spcBef>
+                <a:spcAft>
+                  <a:spcPts val="0"/>
+                </a:spcAft>
+              </a:pPr>
+              <a:r>
+                <a:rPr sz="1800">
+                  <a:solidFill>
+                    <a:srgbClr val="000000">
+                      <a:alpha val="100000"/>
+                    </a:srgbClr>
+                  </a:solidFill>
+                  <a:latin typeface="Arial"/>
+                  <a:cs typeface="Arial"/>
+                </a:rPr>
+                <a:t>salary-sacrifice</a:t>
+              </a:r>
+            </a:p>
+          </p:txBody>
+        </p:sp>
+        <p:sp>
+          <p:nvSpPr>
+            <p:cNvPr id="63" name="tx61"/>
+            <p:cNvSpPr/>
+            <p:nvPr/>
+          </p:nvSpPr>
+          <p:spPr>
+            <a:xfrm>
+              <a:off x="1227398" y="859021"/>
+              <a:ext cx="330286" cy="169217"/>
+            </a:xfrm>
+            <a:prstGeom prst="rect">
+              <a:avLst/>
+            </a:prstGeom>
+            <a:noFill/>
+          </p:spPr>
+          <p:txBody>
+            <a:bodyPr lIns="0" rIns="0" tIns="0" bIns="0" anchorCtr="1" anchor="ctr" wrap="none"/>
+            <a:lstStyle/>
+            <a:p>
+              <a:pPr algn="l" marL="0" marR="0" indent="0">
+                <a:lnSpc>
+                  <a:spcPts val="1800"/>
+                </a:lnSpc>
+                <a:spcBef>
+                  <a:spcPts val="0"/>
+                </a:spcBef>
+                <a:spcAft>
+                  <a:spcPts val="0"/>
+                </a:spcAft>
+              </a:pPr>
+              <a:r>
+                <a:rPr sz="1800">
+                  <a:solidFill>
+                    <a:srgbClr val="000000">
+                      <a:alpha val="100000"/>
+                    </a:srgbClr>
+                  </a:solidFill>
+                  <a:latin typeface="Arial"/>
+                  <a:cs typeface="Arial"/>
+                </a:rPr>
+                <a:t>SG</a:t>
               </a:r>
             </a:p>
           </p:txBody>
